--- a/3_Suervised_Learning_Decision_Tree/3_Supervised_Learning_Decision_Tree.pptx
+++ b/3_Suervised_Learning_Decision_Tree/3_Supervised_Learning_Decision_Tree.pptx
@@ -8,7 +8,12 @@
     <p:sldId id="256" r:id="rId2"/>
     <p:sldId id="257" r:id="rId3"/>
     <p:sldId id="258" r:id="rId4"/>
-    <p:sldId id="259" r:id="rId5"/>
+    <p:sldId id="262" r:id="rId5"/>
+    <p:sldId id="259" r:id="rId6"/>
+    <p:sldId id="263" r:id="rId7"/>
+    <p:sldId id="264" r:id="rId8"/>
+    <p:sldId id="260" r:id="rId9"/>
+    <p:sldId id="265" r:id="rId10"/>
   </p:sldIdLst>
   <p:sldSz cx="12192000" cy="6858000"/>
   <p:notesSz cx="6858000" cy="9144000"/>
@@ -107,6 +112,11 @@
       </a:defRPr>
     </a:lvl9pPr>
   </p:defaultTextStyle>
+  <p:extLst>
+    <p:ext uri="{EFAFB233-063F-42B5-8137-9DF3F51BA10A}">
+      <p15:sldGuideLst xmlns:p15="http://schemas.microsoft.com/office/powerpoint/2012/main"/>
+    </p:ext>
+  </p:extLst>
 </p:presentation>
 </file>
 
@@ -6125,7 +6135,7 @@
           <a:p>
             <a:fld id="{1E3BF2BF-A6D0-DC44-A9C5-16C69DEE3518}" type="datetimeFigureOut">
               <a:rPr lang="en-US" smtClean="0"/>
-              <a:t>7/5/19</a:t>
+              <a:t>7/9/19</a:t>
             </a:fld>
             <a:endParaRPr lang="en-US"/>
           </a:p>
@@ -6323,7 +6333,7 @@
           <a:p>
             <a:fld id="{1E3BF2BF-A6D0-DC44-A9C5-16C69DEE3518}" type="datetimeFigureOut">
               <a:rPr lang="en-US" smtClean="0"/>
-              <a:t>7/5/19</a:t>
+              <a:t>7/9/19</a:t>
             </a:fld>
             <a:endParaRPr lang="en-US"/>
           </a:p>
@@ -6531,7 +6541,7 @@
           <a:p>
             <a:fld id="{1E3BF2BF-A6D0-DC44-A9C5-16C69DEE3518}" type="datetimeFigureOut">
               <a:rPr lang="en-US" smtClean="0"/>
-              <a:t>7/5/19</a:t>
+              <a:t>7/9/19</a:t>
             </a:fld>
             <a:endParaRPr lang="en-US"/>
           </a:p>
@@ -6729,7 +6739,7 @@
           <a:p>
             <a:fld id="{1E3BF2BF-A6D0-DC44-A9C5-16C69DEE3518}" type="datetimeFigureOut">
               <a:rPr lang="en-US" smtClean="0"/>
-              <a:t>7/5/19</a:t>
+              <a:t>7/9/19</a:t>
             </a:fld>
             <a:endParaRPr lang="en-US"/>
           </a:p>
@@ -7004,7 +7014,7 @@
           <a:p>
             <a:fld id="{1E3BF2BF-A6D0-DC44-A9C5-16C69DEE3518}" type="datetimeFigureOut">
               <a:rPr lang="en-US" smtClean="0"/>
-              <a:t>7/5/19</a:t>
+              <a:t>7/9/19</a:t>
             </a:fld>
             <a:endParaRPr lang="en-US"/>
           </a:p>
@@ -7269,7 +7279,7 @@
           <a:p>
             <a:fld id="{1E3BF2BF-A6D0-DC44-A9C5-16C69DEE3518}" type="datetimeFigureOut">
               <a:rPr lang="en-US" smtClean="0"/>
-              <a:t>7/5/19</a:t>
+              <a:t>7/9/19</a:t>
             </a:fld>
             <a:endParaRPr lang="en-US"/>
           </a:p>
@@ -7681,7 +7691,7 @@
           <a:p>
             <a:fld id="{1E3BF2BF-A6D0-DC44-A9C5-16C69DEE3518}" type="datetimeFigureOut">
               <a:rPr lang="en-US" smtClean="0"/>
-              <a:t>7/5/19</a:t>
+              <a:t>7/9/19</a:t>
             </a:fld>
             <a:endParaRPr lang="en-US"/>
           </a:p>
@@ -7822,7 +7832,7 @@
           <a:p>
             <a:fld id="{1E3BF2BF-A6D0-DC44-A9C5-16C69DEE3518}" type="datetimeFigureOut">
               <a:rPr lang="en-US" smtClean="0"/>
-              <a:t>7/5/19</a:t>
+              <a:t>7/9/19</a:t>
             </a:fld>
             <a:endParaRPr lang="en-US"/>
           </a:p>
@@ -7935,7 +7945,7 @@
           <a:p>
             <a:fld id="{1E3BF2BF-A6D0-DC44-A9C5-16C69DEE3518}" type="datetimeFigureOut">
               <a:rPr lang="en-US" smtClean="0"/>
-              <a:t>7/5/19</a:t>
+              <a:t>7/9/19</a:t>
             </a:fld>
             <a:endParaRPr lang="en-US"/>
           </a:p>
@@ -8246,7 +8256,7 @@
           <a:p>
             <a:fld id="{1E3BF2BF-A6D0-DC44-A9C5-16C69DEE3518}" type="datetimeFigureOut">
               <a:rPr lang="en-US" smtClean="0"/>
-              <a:t>7/5/19</a:t>
+              <a:t>7/9/19</a:t>
             </a:fld>
             <a:endParaRPr lang="en-US"/>
           </a:p>
@@ -8534,7 +8544,7 @@
           <a:p>
             <a:fld id="{1E3BF2BF-A6D0-DC44-A9C5-16C69DEE3518}" type="datetimeFigureOut">
               <a:rPr lang="en-US" smtClean="0"/>
-              <a:t>7/5/19</a:t>
+              <a:t>7/9/19</a:t>
             </a:fld>
             <a:endParaRPr lang="en-US"/>
           </a:p>
@@ -8775,7 +8785,7 @@
           <a:p>
             <a:fld id="{1E3BF2BF-A6D0-DC44-A9C5-16C69DEE3518}" type="datetimeFigureOut">
               <a:rPr lang="en-US" smtClean="0"/>
-              <a:t>7/5/19</a:t>
+              <a:t>7/9/19</a:t>
             </a:fld>
             <a:endParaRPr lang="en-US"/>
           </a:p>
@@ -9479,6 +9489,356 @@
           <p:cNvPr id="2" name="Title 1">
             <a:extLst>
               <a:ext uri="{FF2B5EF4-FFF2-40B4-BE49-F238E27FC236}">
+                <a16:creationId xmlns:a16="http://schemas.microsoft.com/office/drawing/2014/main" id="{8F9C9222-486A-5C44-BB5D-AD75E37B2352}"/>
+              </a:ext>
+            </a:extLst>
+          </p:cNvPr>
+          <p:cNvSpPr>
+            <a:spLocks noGrp="1"/>
+          </p:cNvSpPr>
+          <p:nvPr>
+            <p:ph type="title"/>
+          </p:nvPr>
+        </p:nvSpPr>
+        <p:spPr/>
+        <p:txBody>
+          <a:bodyPr/>
+          <a:lstStyle/>
+          <a:p>
+            <a:r>
+              <a:rPr lang="en-US" altLang="zh-CN" dirty="0"/>
+              <a:t>Something</a:t>
+            </a:r>
+            <a:r>
+              <a:rPr lang="zh-CN" altLang="en-US" dirty="0"/>
+              <a:t> </a:t>
+            </a:r>
+            <a:r>
+              <a:rPr lang="en-US" altLang="zh-CN" dirty="0"/>
+              <a:t>you</a:t>
+            </a:r>
+            <a:r>
+              <a:rPr lang="zh-CN" altLang="en-US" dirty="0"/>
+              <a:t> </a:t>
+            </a:r>
+            <a:r>
+              <a:rPr lang="en-US" altLang="zh-CN" dirty="0"/>
+              <a:t>should</a:t>
+            </a:r>
+            <a:r>
+              <a:rPr lang="zh-CN" altLang="en-US" dirty="0"/>
+              <a:t> </a:t>
+            </a:r>
+            <a:r>
+              <a:rPr lang="en-US" altLang="zh-CN" dirty="0"/>
+              <a:t>know</a:t>
+            </a:r>
+            <a:r>
+              <a:rPr lang="zh-CN" altLang="en-US" dirty="0"/>
+              <a:t> </a:t>
+            </a:r>
+            <a:r>
+              <a:rPr lang="en-US" altLang="zh-CN" dirty="0"/>
+              <a:t>about</a:t>
+            </a:r>
+            <a:r>
+              <a:rPr lang="zh-CN" altLang="en-US" dirty="0"/>
+              <a:t> </a:t>
+            </a:r>
+            <a:r>
+              <a:rPr lang="en-US" altLang="zh-CN" dirty="0"/>
+              <a:t>Decision</a:t>
+            </a:r>
+            <a:r>
+              <a:rPr lang="zh-CN" altLang="en-US" dirty="0"/>
+              <a:t> </a:t>
+            </a:r>
+            <a:r>
+              <a:rPr lang="en-US" altLang="zh-CN" dirty="0"/>
+              <a:t>Tree</a:t>
+            </a:r>
+            <a:endParaRPr lang="en-US" dirty="0"/>
+          </a:p>
+        </p:txBody>
+      </p:sp>
+      <p:sp>
+        <p:nvSpPr>
+          <p:cNvPr id="3" name="Content Placeholder 2">
+            <a:extLst>
+              <a:ext uri="{FF2B5EF4-FFF2-40B4-BE49-F238E27FC236}">
+                <a16:creationId xmlns:a16="http://schemas.microsoft.com/office/drawing/2014/main" id="{9F85B0D8-13D3-B346-9484-BECFCE45BD14}"/>
+              </a:ext>
+            </a:extLst>
+          </p:cNvPr>
+          <p:cNvSpPr>
+            <a:spLocks noGrp="1"/>
+          </p:cNvSpPr>
+          <p:nvPr>
+            <p:ph idx="1"/>
+          </p:nvPr>
+        </p:nvSpPr>
+        <p:spPr/>
+        <p:txBody>
+          <a:bodyPr/>
+          <a:lstStyle/>
+          <a:p>
+            <a:r>
+              <a:rPr lang="en-US" altLang="zh-CN" dirty="0"/>
+              <a:t>Where</a:t>
+            </a:r>
+            <a:r>
+              <a:rPr lang="zh-CN" altLang="en-US" dirty="0"/>
+              <a:t> </a:t>
+            </a:r>
+            <a:r>
+              <a:rPr lang="en-US" altLang="zh-CN" dirty="0"/>
+              <a:t>should</a:t>
+            </a:r>
+            <a:r>
+              <a:rPr lang="zh-CN" altLang="en-US" dirty="0"/>
+              <a:t> </a:t>
+            </a:r>
+            <a:r>
+              <a:rPr lang="en-US" altLang="zh-CN" dirty="0"/>
+              <a:t>I</a:t>
+            </a:r>
+            <a:r>
+              <a:rPr lang="zh-CN" altLang="en-US" dirty="0"/>
+              <a:t> </a:t>
+            </a:r>
+            <a:r>
+              <a:rPr lang="en-US" altLang="zh-CN" dirty="0"/>
+              <a:t>pick</a:t>
+            </a:r>
+            <a:r>
+              <a:rPr lang="zh-CN" altLang="en-US" dirty="0"/>
+              <a:t> </a:t>
+            </a:r>
+            <a:r>
+              <a:rPr lang="en-US" altLang="zh-CN" dirty="0"/>
+              <a:t>as</a:t>
+            </a:r>
+            <a:r>
+              <a:rPr lang="zh-CN" altLang="en-US" dirty="0"/>
+              <a:t> </a:t>
+            </a:r>
+            <a:r>
+              <a:rPr lang="en-US" altLang="zh-CN" dirty="0"/>
+              <a:t>my</a:t>
+            </a:r>
+            <a:r>
+              <a:rPr lang="zh-CN" altLang="en-US" dirty="0"/>
+              <a:t> </a:t>
+            </a:r>
+            <a:r>
+              <a:rPr lang="en-US" altLang="zh-CN" dirty="0"/>
+              <a:t>starting</a:t>
+            </a:r>
+            <a:r>
+              <a:rPr lang="zh-CN" altLang="en-US" dirty="0"/>
+              <a:t> </a:t>
+            </a:r>
+            <a:r>
+              <a:rPr lang="en-US" altLang="zh-CN" dirty="0"/>
+              <a:t>point</a:t>
+            </a:r>
+            <a:r>
+              <a:rPr lang="zh-CN" altLang="en-US" dirty="0"/>
+              <a:t> </a:t>
+            </a:r>
+            <a:r>
+              <a:rPr lang="en-US" altLang="zh-CN" dirty="0"/>
+              <a:t>for</a:t>
+            </a:r>
+            <a:r>
+              <a:rPr lang="zh-CN" altLang="en-US" dirty="0"/>
+              <a:t> </a:t>
+            </a:r>
+            <a:r>
+              <a:rPr lang="en-US" altLang="zh-CN" dirty="0"/>
+              <a:t>my</a:t>
+            </a:r>
+            <a:r>
+              <a:rPr lang="zh-CN" altLang="en-US" dirty="0"/>
+              <a:t> </a:t>
+            </a:r>
+            <a:r>
+              <a:rPr lang="en-US" altLang="zh-CN" dirty="0"/>
+              <a:t>tree?</a:t>
+            </a:r>
+          </a:p>
+          <a:p>
+            <a:endParaRPr lang="en-US" dirty="0"/>
+          </a:p>
+          <a:p>
+            <a:r>
+              <a:rPr lang="en-US" altLang="zh-CN" dirty="0"/>
+              <a:t>How</a:t>
+            </a:r>
+            <a:r>
+              <a:rPr lang="zh-CN" altLang="en-US" dirty="0"/>
+              <a:t> </a:t>
+            </a:r>
+            <a:r>
+              <a:rPr lang="en-US" altLang="zh-CN" dirty="0"/>
+              <a:t>to</a:t>
+            </a:r>
+            <a:r>
+              <a:rPr lang="zh-CN" altLang="en-US" dirty="0"/>
+              <a:t> </a:t>
+            </a:r>
+            <a:r>
+              <a:rPr lang="en-US" altLang="zh-CN" dirty="0"/>
+              <a:t>measure</a:t>
+            </a:r>
+            <a:r>
+              <a:rPr lang="zh-CN" altLang="en-US" dirty="0"/>
+              <a:t> </a:t>
+            </a:r>
+            <a:r>
+              <a:rPr lang="en-US" altLang="zh-CN" dirty="0"/>
+              <a:t>the</a:t>
+            </a:r>
+            <a:r>
+              <a:rPr lang="zh-CN" altLang="en-US" dirty="0"/>
+              <a:t> </a:t>
+            </a:r>
+            <a:r>
+              <a:rPr lang="en-US" altLang="zh-CN" dirty="0"/>
+              <a:t>order</a:t>
+            </a:r>
+            <a:r>
+              <a:rPr lang="zh-CN" altLang="en-US" dirty="0"/>
+              <a:t> </a:t>
+            </a:r>
+            <a:r>
+              <a:rPr lang="en-US" altLang="zh-CN" dirty="0"/>
+              <a:t>of</a:t>
+            </a:r>
+            <a:r>
+              <a:rPr lang="zh-CN" altLang="en-US" dirty="0"/>
+              <a:t> </a:t>
+            </a:r>
+            <a:r>
+              <a:rPr lang="en-US" altLang="zh-CN" dirty="0"/>
+              <a:t>branches?</a:t>
+            </a:r>
+          </a:p>
+          <a:p>
+            <a:endParaRPr lang="en-US" dirty="0"/>
+          </a:p>
+          <a:p>
+            <a:r>
+              <a:rPr lang="en-US" altLang="zh-CN" dirty="0"/>
+              <a:t>Does</a:t>
+            </a:r>
+            <a:r>
+              <a:rPr lang="zh-CN" altLang="en-US" dirty="0"/>
+              <a:t> </a:t>
+            </a:r>
+            <a:r>
+              <a:rPr lang="en-US" altLang="zh-CN" dirty="0"/>
+              <a:t>Decision</a:t>
+            </a:r>
+            <a:r>
+              <a:rPr lang="zh-CN" altLang="en-US" dirty="0"/>
+              <a:t> </a:t>
+            </a:r>
+            <a:r>
+              <a:rPr lang="en-US" altLang="zh-CN" dirty="0"/>
+              <a:t>Tree</a:t>
+            </a:r>
+            <a:r>
+              <a:rPr lang="zh-CN" altLang="en-US" dirty="0"/>
+              <a:t> </a:t>
+            </a:r>
+            <a:r>
+              <a:rPr lang="en-US" altLang="zh-CN" dirty="0"/>
+              <a:t>only</a:t>
+            </a:r>
+            <a:r>
+              <a:rPr lang="zh-CN" altLang="en-US" dirty="0"/>
+              <a:t> </a:t>
+            </a:r>
+            <a:r>
+              <a:rPr lang="en-US" altLang="zh-CN" dirty="0"/>
+              <a:t>predict</a:t>
+            </a:r>
+            <a:r>
+              <a:rPr lang="zh-CN" altLang="en-US" dirty="0"/>
+              <a:t> </a:t>
+            </a:r>
+            <a:r>
+              <a:rPr lang="en-US" altLang="zh-CN" dirty="0"/>
+              <a:t>classification</a:t>
+            </a:r>
+            <a:r>
+              <a:rPr lang="zh-CN" altLang="en-US" dirty="0"/>
+              <a:t> </a:t>
+            </a:r>
+            <a:r>
+              <a:rPr lang="en-US" altLang="zh-CN" dirty="0"/>
+              <a:t>/</a:t>
+            </a:r>
+            <a:r>
+              <a:rPr lang="zh-CN" altLang="en-US" dirty="0"/>
+              <a:t> </a:t>
+            </a:r>
+            <a:r>
+              <a:rPr lang="en-US" altLang="zh-CN" dirty="0"/>
+              <a:t>categorical</a:t>
+            </a:r>
+            <a:r>
+              <a:rPr lang="zh-CN" altLang="en-US" dirty="0"/>
+              <a:t> </a:t>
+            </a:r>
+            <a:r>
+              <a:rPr lang="en-US" altLang="zh-CN" dirty="0"/>
+              <a:t>output?</a:t>
+            </a:r>
+            <a:r>
+              <a:rPr lang="zh-CN" altLang="en-US" dirty="0"/>
+              <a:t> </a:t>
+            </a:r>
+            <a:endParaRPr lang="en-US" dirty="0"/>
+          </a:p>
+        </p:txBody>
+      </p:sp>
+    </p:spTree>
+    <p:extLst>
+      <p:ext uri="{BB962C8B-B14F-4D97-AF65-F5344CB8AC3E}">
+        <p14:creationId xmlns:p14="http://schemas.microsoft.com/office/powerpoint/2010/main" val="1951351062"/>
+      </p:ext>
+    </p:extLst>
+  </p:cSld>
+  <p:clrMapOvr>
+    <a:masterClrMapping/>
+  </p:clrMapOvr>
+</p:sld>
+</file>
+
+<file path=ppt/slides/slide5.xml><?xml version="1.0" encoding="utf-8"?>
+<p:sld xmlns:a="http://schemas.openxmlformats.org/drawingml/2006/main" xmlns:r="http://schemas.openxmlformats.org/officeDocument/2006/relationships" xmlns:p="http://schemas.openxmlformats.org/presentationml/2006/main">
+  <p:cSld>
+    <p:spTree>
+      <p:nvGrpSpPr>
+        <p:cNvPr id="1" name=""/>
+        <p:cNvGrpSpPr/>
+        <p:nvPr/>
+      </p:nvGrpSpPr>
+      <p:grpSpPr>
+        <a:xfrm>
+          <a:off x="0" y="0"/>
+          <a:ext cx="0" cy="0"/>
+          <a:chOff x="0" y="0"/>
+          <a:chExt cx="0" cy="0"/>
+        </a:xfrm>
+      </p:grpSpPr>
+      <p:sp>
+        <p:nvSpPr>
+          <p:cNvPr id="2" name="Title 1">
+            <a:extLst>
+              <a:ext uri="{FF2B5EF4-FFF2-40B4-BE49-F238E27FC236}">
                 <a16:creationId xmlns:a16="http://schemas.microsoft.com/office/drawing/2014/main" id="{C33E876E-2A78-6248-93E8-D03A8309D6B7}"/>
               </a:ext>
             </a:extLst>
@@ -9537,6 +9897,1780 @@
     <p:extLst>
       <p:ext uri="{BB962C8B-B14F-4D97-AF65-F5344CB8AC3E}">
         <p14:creationId xmlns:p14="http://schemas.microsoft.com/office/powerpoint/2010/main" val="3977417921"/>
+      </p:ext>
+    </p:extLst>
+  </p:cSld>
+  <p:clrMapOvr>
+    <a:masterClrMapping/>
+  </p:clrMapOvr>
+</p:sld>
+</file>
+
+<file path=ppt/slides/slide6.xml><?xml version="1.0" encoding="utf-8"?>
+<p:sld xmlns:a="http://schemas.openxmlformats.org/drawingml/2006/main" xmlns:r="http://schemas.openxmlformats.org/officeDocument/2006/relationships" xmlns:p="http://schemas.openxmlformats.org/presentationml/2006/main">
+  <p:cSld>
+    <p:spTree>
+      <p:nvGrpSpPr>
+        <p:cNvPr id="1" name=""/>
+        <p:cNvGrpSpPr/>
+        <p:nvPr/>
+      </p:nvGrpSpPr>
+      <p:grpSpPr>
+        <a:xfrm>
+          <a:off x="0" y="0"/>
+          <a:ext cx="0" cy="0"/>
+          <a:chOff x="0" y="0"/>
+          <a:chExt cx="0" cy="0"/>
+        </a:xfrm>
+      </p:grpSpPr>
+      <p:sp>
+        <p:nvSpPr>
+          <p:cNvPr id="2" name="Title 1">
+            <a:extLst>
+              <a:ext uri="{FF2B5EF4-FFF2-40B4-BE49-F238E27FC236}">
+                <a16:creationId xmlns:a16="http://schemas.microsoft.com/office/drawing/2014/main" id="{C4D34269-7997-804E-B7C1-75F9E7DCB2FF}"/>
+              </a:ext>
+            </a:extLst>
+          </p:cNvPr>
+          <p:cNvSpPr>
+            <a:spLocks noGrp="1"/>
+          </p:cNvSpPr>
+          <p:nvPr>
+            <p:ph type="title"/>
+          </p:nvPr>
+        </p:nvSpPr>
+        <p:spPr/>
+        <p:txBody>
+          <a:bodyPr>
+            <a:normAutofit/>
+          </a:bodyPr>
+          <a:lstStyle/>
+          <a:p>
+            <a:r>
+              <a:rPr lang="en-US" altLang="zh-CN" dirty="0"/>
+              <a:t>Where</a:t>
+            </a:r>
+            <a:r>
+              <a:rPr lang="zh-CN" altLang="en-US" dirty="0"/>
+              <a:t> </a:t>
+            </a:r>
+            <a:r>
+              <a:rPr lang="en-US" altLang="zh-CN" dirty="0"/>
+              <a:t>should</a:t>
+            </a:r>
+            <a:r>
+              <a:rPr lang="zh-CN" altLang="en-US" dirty="0"/>
+              <a:t> </a:t>
+            </a:r>
+            <a:r>
+              <a:rPr lang="en-US" altLang="zh-CN" dirty="0"/>
+              <a:t>I</a:t>
+            </a:r>
+            <a:r>
+              <a:rPr lang="zh-CN" altLang="en-US" dirty="0"/>
+              <a:t> </a:t>
+            </a:r>
+            <a:r>
+              <a:rPr lang="en-US" altLang="zh-CN" dirty="0"/>
+              <a:t>pick</a:t>
+            </a:r>
+            <a:r>
+              <a:rPr lang="zh-CN" altLang="en-US" dirty="0"/>
+              <a:t> </a:t>
+            </a:r>
+            <a:r>
+              <a:rPr lang="en-US" altLang="zh-CN" dirty="0"/>
+              <a:t>as</a:t>
+            </a:r>
+            <a:r>
+              <a:rPr lang="zh-CN" altLang="en-US" dirty="0"/>
+              <a:t> </a:t>
+            </a:r>
+            <a:r>
+              <a:rPr lang="en-US" altLang="zh-CN" dirty="0"/>
+              <a:t>my</a:t>
+            </a:r>
+            <a:r>
+              <a:rPr lang="zh-CN" altLang="en-US" dirty="0"/>
+              <a:t> </a:t>
+            </a:r>
+            <a:r>
+              <a:rPr lang="en-US" altLang="zh-CN" dirty="0"/>
+              <a:t>starting</a:t>
+            </a:r>
+            <a:r>
+              <a:rPr lang="zh-CN" altLang="en-US" dirty="0"/>
+              <a:t> </a:t>
+            </a:r>
+            <a:r>
+              <a:rPr lang="en-US" altLang="zh-CN" dirty="0"/>
+              <a:t>point</a:t>
+            </a:r>
+            <a:r>
+              <a:rPr lang="zh-CN" altLang="en-US" dirty="0"/>
+              <a:t> </a:t>
+            </a:r>
+            <a:r>
+              <a:rPr lang="en-US" altLang="zh-CN" dirty="0"/>
+              <a:t>for</a:t>
+            </a:r>
+            <a:r>
+              <a:rPr lang="zh-CN" altLang="en-US" dirty="0"/>
+              <a:t> </a:t>
+            </a:r>
+            <a:r>
+              <a:rPr lang="en-US" altLang="zh-CN" dirty="0"/>
+              <a:t>my</a:t>
+            </a:r>
+            <a:r>
+              <a:rPr lang="zh-CN" altLang="en-US" dirty="0"/>
+              <a:t> </a:t>
+            </a:r>
+            <a:r>
+              <a:rPr lang="en-US" altLang="zh-CN" dirty="0"/>
+              <a:t>tree?</a:t>
+            </a:r>
+            <a:endParaRPr lang="en-US" dirty="0"/>
+          </a:p>
+        </p:txBody>
+      </p:sp>
+      <p:pic>
+        <p:nvPicPr>
+          <p:cNvPr id="5" name="Content Placeholder 4">
+            <a:extLst>
+              <a:ext uri="{FF2B5EF4-FFF2-40B4-BE49-F238E27FC236}">
+                <a16:creationId xmlns:a16="http://schemas.microsoft.com/office/drawing/2014/main" id="{ECC84D19-8DDE-E24F-82FF-7A0F6FA91D19}"/>
+              </a:ext>
+            </a:extLst>
+          </p:cNvPr>
+          <p:cNvPicPr>
+            <a:picLocks noGrp="1" noChangeAspect="1"/>
+          </p:cNvPicPr>
+          <p:nvPr>
+            <p:ph idx="1"/>
+          </p:nvPr>
+        </p:nvPicPr>
+        <p:blipFill>
+          <a:blip r:embed="rId2"/>
+          <a:stretch>
+            <a:fillRect/>
+          </a:stretch>
+        </p:blipFill>
+        <p:spPr>
+          <a:xfrm>
+            <a:off x="838200" y="2113685"/>
+            <a:ext cx="7378700" cy="3086100"/>
+          </a:xfrm>
+          <a:prstGeom prst="rect">
+            <a:avLst/>
+          </a:prstGeom>
+        </p:spPr>
+      </p:pic>
+      <p:sp>
+        <p:nvSpPr>
+          <p:cNvPr id="6" name="Rectangle 5">
+            <a:extLst>
+              <a:ext uri="{FF2B5EF4-FFF2-40B4-BE49-F238E27FC236}">
+                <a16:creationId xmlns:a16="http://schemas.microsoft.com/office/drawing/2014/main" id="{DEA430D1-6DC0-DE4A-901B-86AD8430EF57}"/>
+              </a:ext>
+            </a:extLst>
+          </p:cNvPr>
+          <p:cNvSpPr/>
+          <p:nvPr/>
+        </p:nvSpPr>
+        <p:spPr>
+          <a:xfrm>
+            <a:off x="6587836" y="1690688"/>
+            <a:ext cx="1911928" cy="3865418"/>
+          </a:xfrm>
+          <a:prstGeom prst="rect">
+            <a:avLst/>
+          </a:prstGeom>
+          <a:noFill/>
+        </p:spPr>
+        <p:style>
+          <a:lnRef idx="2">
+            <a:schemeClr val="accent6"/>
+          </a:lnRef>
+          <a:fillRef idx="1">
+            <a:schemeClr val="lt1"/>
+          </a:fillRef>
+          <a:effectRef idx="0">
+            <a:schemeClr val="accent6"/>
+          </a:effectRef>
+          <a:fontRef idx="minor">
+            <a:schemeClr val="dk1"/>
+          </a:fontRef>
+        </p:style>
+        <p:txBody>
+          <a:bodyPr rtlCol="0" anchor="ctr"/>
+          <a:lstStyle/>
+          <a:p>
+            <a:pPr algn="ctr"/>
+            <a:endParaRPr lang="en-US"/>
+          </a:p>
+        </p:txBody>
+      </p:sp>
+      <p:sp>
+        <p:nvSpPr>
+          <p:cNvPr id="7" name="Left Arrow 6">
+            <a:extLst>
+              <a:ext uri="{FF2B5EF4-FFF2-40B4-BE49-F238E27FC236}">
+                <a16:creationId xmlns:a16="http://schemas.microsoft.com/office/drawing/2014/main" id="{BDE4929E-455F-C848-942A-D35848AEDF24}"/>
+              </a:ext>
+            </a:extLst>
+          </p:cNvPr>
+          <p:cNvSpPr/>
+          <p:nvPr/>
+        </p:nvSpPr>
+        <p:spPr>
+          <a:xfrm>
+            <a:off x="8631382" y="2113685"/>
+            <a:ext cx="623454" cy="470621"/>
+          </a:xfrm>
+          <a:prstGeom prst="leftArrow">
+            <a:avLst/>
+          </a:prstGeom>
+        </p:spPr>
+        <p:style>
+          <a:lnRef idx="2">
+            <a:schemeClr val="accent1">
+              <a:shade val="50000"/>
+            </a:schemeClr>
+          </a:lnRef>
+          <a:fillRef idx="1">
+            <a:schemeClr val="accent1"/>
+          </a:fillRef>
+          <a:effectRef idx="0">
+            <a:schemeClr val="accent1"/>
+          </a:effectRef>
+          <a:fontRef idx="minor">
+            <a:schemeClr val="lt1"/>
+          </a:fontRef>
+        </p:style>
+        <p:txBody>
+          <a:bodyPr rtlCol="0" anchor="ctr"/>
+          <a:lstStyle/>
+          <a:p>
+            <a:pPr algn="ctr"/>
+            <a:endParaRPr lang="en-US"/>
+          </a:p>
+        </p:txBody>
+      </p:sp>
+      <p:sp>
+        <p:nvSpPr>
+          <p:cNvPr id="8" name="Rounded Rectangle 7">
+            <a:extLst>
+              <a:ext uri="{FF2B5EF4-FFF2-40B4-BE49-F238E27FC236}">
+                <a16:creationId xmlns:a16="http://schemas.microsoft.com/office/drawing/2014/main" id="{DD94C6BB-2D42-DA4D-B724-256B885B61F2}"/>
+              </a:ext>
+            </a:extLst>
+          </p:cNvPr>
+          <p:cNvSpPr/>
+          <p:nvPr/>
+        </p:nvSpPr>
+        <p:spPr>
+          <a:xfrm>
+            <a:off x="9407236" y="1690688"/>
+            <a:ext cx="2396837" cy="1295400"/>
+          </a:xfrm>
+          <a:prstGeom prst="roundRect">
+            <a:avLst/>
+          </a:prstGeom>
+        </p:spPr>
+        <p:style>
+          <a:lnRef idx="3">
+            <a:schemeClr val="lt1"/>
+          </a:lnRef>
+          <a:fillRef idx="1">
+            <a:schemeClr val="accent6"/>
+          </a:fillRef>
+          <a:effectRef idx="1">
+            <a:schemeClr val="accent6"/>
+          </a:effectRef>
+          <a:fontRef idx="minor">
+            <a:schemeClr val="lt1"/>
+          </a:fontRef>
+        </p:style>
+        <p:txBody>
+          <a:bodyPr rtlCol="0" anchor="ctr"/>
+          <a:lstStyle/>
+          <a:p>
+            <a:pPr algn="ctr"/>
+            <a:r>
+              <a:rPr lang="en-US" altLang="zh-CN" dirty="0"/>
+              <a:t>Start</a:t>
+            </a:r>
+            <a:r>
+              <a:rPr lang="zh-CN" altLang="en-US" dirty="0"/>
+              <a:t> </a:t>
+            </a:r>
+            <a:r>
+              <a:rPr lang="en-US" altLang="zh-CN" dirty="0"/>
+              <a:t>from</a:t>
+            </a:r>
+            <a:r>
+              <a:rPr lang="zh-CN" altLang="en-US" dirty="0"/>
+              <a:t> </a:t>
+            </a:r>
+            <a:r>
+              <a:rPr lang="en-US" altLang="zh-CN" dirty="0"/>
+              <a:t>dependent</a:t>
+            </a:r>
+            <a:r>
+              <a:rPr lang="zh-CN" altLang="en-US" dirty="0"/>
+              <a:t> </a:t>
+            </a:r>
+            <a:r>
+              <a:rPr lang="en-US" altLang="zh-CN" dirty="0"/>
+              <a:t>variable</a:t>
+            </a:r>
+            <a:r>
+              <a:rPr lang="zh-CN" altLang="en-US" dirty="0"/>
+              <a:t> </a:t>
+            </a:r>
+            <a:r>
+              <a:rPr lang="en-US" altLang="zh-CN" dirty="0"/>
+              <a:t>-</a:t>
+            </a:r>
+            <a:r>
+              <a:rPr lang="zh-CN" altLang="en-US" dirty="0"/>
+              <a:t> </a:t>
+            </a:r>
+            <a:r>
+              <a:rPr lang="en-US" altLang="zh-CN" dirty="0"/>
+              <a:t>play</a:t>
+            </a:r>
+            <a:endParaRPr lang="en-US" dirty="0"/>
+          </a:p>
+        </p:txBody>
+      </p:sp>
+    </p:spTree>
+    <p:extLst>
+      <p:ext uri="{BB962C8B-B14F-4D97-AF65-F5344CB8AC3E}">
+        <p14:creationId xmlns:p14="http://schemas.microsoft.com/office/powerpoint/2010/main" val="4214614756"/>
+      </p:ext>
+    </p:extLst>
+  </p:cSld>
+  <p:clrMapOvr>
+    <a:masterClrMapping/>
+  </p:clrMapOvr>
+</p:sld>
+</file>
+
+<file path=ppt/slides/slide7.xml><?xml version="1.0" encoding="utf-8"?>
+<p:sld xmlns:a="http://schemas.openxmlformats.org/drawingml/2006/main" xmlns:r="http://schemas.openxmlformats.org/officeDocument/2006/relationships" xmlns:p="http://schemas.openxmlformats.org/presentationml/2006/main">
+  <p:cSld>
+    <p:spTree>
+      <p:nvGrpSpPr>
+        <p:cNvPr id="1" name=""/>
+        <p:cNvGrpSpPr/>
+        <p:nvPr/>
+      </p:nvGrpSpPr>
+      <p:grpSpPr>
+        <a:xfrm>
+          <a:off x="0" y="0"/>
+          <a:ext cx="0" cy="0"/>
+          <a:chOff x="0" y="0"/>
+          <a:chExt cx="0" cy="0"/>
+        </a:xfrm>
+      </p:grpSpPr>
+      <p:sp>
+        <p:nvSpPr>
+          <p:cNvPr id="2" name="Title 1">
+            <a:extLst>
+              <a:ext uri="{FF2B5EF4-FFF2-40B4-BE49-F238E27FC236}">
+                <a16:creationId xmlns:a16="http://schemas.microsoft.com/office/drawing/2014/main" id="{4B92115A-2AF6-C54D-8F8E-F60DFE0CF7CB}"/>
+              </a:ext>
+            </a:extLst>
+          </p:cNvPr>
+          <p:cNvSpPr>
+            <a:spLocks noGrp="1"/>
+          </p:cNvSpPr>
+          <p:nvPr>
+            <p:ph type="title"/>
+          </p:nvPr>
+        </p:nvSpPr>
+        <p:spPr>
+          <a:xfrm>
+            <a:off x="838200" y="365125"/>
+            <a:ext cx="10515600" cy="1325563"/>
+          </a:xfrm>
+        </p:spPr>
+        <p:txBody>
+          <a:bodyPr/>
+          <a:lstStyle/>
+          <a:p>
+            <a:r>
+              <a:rPr lang="en-US" altLang="zh-CN"/>
+              <a:t>How</a:t>
+            </a:r>
+            <a:r>
+              <a:rPr lang="zh-CN" altLang="en-US"/>
+              <a:t> </a:t>
+            </a:r>
+            <a:r>
+              <a:rPr lang="en-US" altLang="zh-CN"/>
+              <a:t>to</a:t>
+            </a:r>
+            <a:r>
+              <a:rPr lang="zh-CN" altLang="en-US"/>
+              <a:t> </a:t>
+            </a:r>
+            <a:r>
+              <a:rPr lang="en-US" altLang="zh-CN"/>
+              <a:t>measure</a:t>
+            </a:r>
+            <a:r>
+              <a:rPr lang="zh-CN" altLang="en-US"/>
+              <a:t> </a:t>
+            </a:r>
+            <a:r>
+              <a:rPr lang="en-US" altLang="zh-CN"/>
+              <a:t>the</a:t>
+            </a:r>
+            <a:r>
+              <a:rPr lang="zh-CN" altLang="en-US"/>
+              <a:t> </a:t>
+            </a:r>
+            <a:r>
+              <a:rPr lang="en-US" altLang="zh-CN"/>
+              <a:t>order</a:t>
+            </a:r>
+            <a:r>
+              <a:rPr lang="zh-CN" altLang="en-US"/>
+              <a:t> </a:t>
+            </a:r>
+            <a:r>
+              <a:rPr lang="en-US" altLang="zh-CN"/>
+              <a:t>of</a:t>
+            </a:r>
+            <a:r>
+              <a:rPr lang="zh-CN" altLang="en-US"/>
+              <a:t> </a:t>
+            </a:r>
+            <a:r>
+              <a:rPr lang="en-US" altLang="zh-CN"/>
+              <a:t>branches?</a:t>
+            </a:r>
+            <a:endParaRPr lang="en-US" dirty="0"/>
+          </a:p>
+        </p:txBody>
+      </p:sp>
+      <p:sp>
+        <p:nvSpPr>
+          <p:cNvPr id="3" name="Content Placeholder 2">
+            <a:extLst>
+              <a:ext uri="{FF2B5EF4-FFF2-40B4-BE49-F238E27FC236}">
+                <a16:creationId xmlns:a16="http://schemas.microsoft.com/office/drawing/2014/main" id="{867E713C-E8D1-3D4D-B3E2-3BE7C54CB63F}"/>
+              </a:ext>
+            </a:extLst>
+          </p:cNvPr>
+          <p:cNvSpPr>
+            <a:spLocks noGrp="1"/>
+          </p:cNvSpPr>
+          <p:nvPr>
+            <p:ph idx="1"/>
+          </p:nvPr>
+        </p:nvSpPr>
+        <p:spPr>
+          <a:xfrm>
+            <a:off x="838200" y="1825625"/>
+            <a:ext cx="10515600" cy="4351338"/>
+          </a:xfrm>
+        </p:spPr>
+        <p:txBody>
+          <a:bodyPr>
+            <a:normAutofit lnSpcReduction="10000"/>
+          </a:bodyPr>
+          <a:lstStyle/>
+          <a:p>
+            <a:r>
+              <a:rPr lang="en-US" altLang="zh-CN" b="1" dirty="0"/>
+              <a:t>Information</a:t>
+            </a:r>
+            <a:r>
+              <a:rPr lang="zh-CN" altLang="en-US" b="1" dirty="0"/>
+              <a:t> </a:t>
+            </a:r>
+            <a:r>
+              <a:rPr lang="en-US" altLang="zh-CN" b="1" dirty="0"/>
+              <a:t>Gain</a:t>
+            </a:r>
+            <a:r>
+              <a:rPr lang="zh-CN" altLang="en-US" b="1" dirty="0"/>
+              <a:t> </a:t>
+            </a:r>
+            <a:r>
+              <a:rPr lang="zh-CN" altLang="en-US" dirty="0"/>
+              <a:t> </a:t>
+            </a:r>
+            <a:endParaRPr lang="en-IE" altLang="zh-CN" dirty="0"/>
+          </a:p>
+          <a:p>
+            <a:pPr lvl="1"/>
+            <a:r>
+              <a:rPr lang="en-US" altLang="zh-CN" dirty="0"/>
+              <a:t>Models</a:t>
+            </a:r>
+            <a:r>
+              <a:rPr lang="zh-CN" altLang="en-US" dirty="0"/>
+              <a:t> </a:t>
+            </a:r>
+            <a:r>
+              <a:rPr lang="en-US" altLang="zh-CN" dirty="0"/>
+              <a:t>use</a:t>
+            </a:r>
+            <a:r>
+              <a:rPr lang="zh-CN" altLang="en-US" dirty="0"/>
+              <a:t> </a:t>
+            </a:r>
+            <a:r>
+              <a:rPr lang="en-US" altLang="zh-CN" dirty="0"/>
+              <a:t>this</a:t>
+            </a:r>
+            <a:r>
+              <a:rPr lang="zh-CN" altLang="en-US" dirty="0"/>
+              <a:t> </a:t>
+            </a:r>
+            <a:r>
+              <a:rPr lang="en-US" altLang="zh-CN" dirty="0"/>
+              <a:t>metrics</a:t>
+            </a:r>
+            <a:r>
+              <a:rPr lang="zh-CN" altLang="en-US" dirty="0"/>
+              <a:t> </a:t>
+            </a:r>
+            <a:r>
+              <a:rPr lang="en-US" altLang="zh-CN" dirty="0"/>
+              <a:t>–</a:t>
+            </a:r>
+            <a:r>
+              <a:rPr lang="zh-CN" altLang="en-US" dirty="0"/>
+              <a:t> </a:t>
+            </a:r>
+            <a:r>
+              <a:rPr lang="en-US" altLang="zh-CN" dirty="0"/>
+              <a:t>ID3,</a:t>
+            </a:r>
+            <a:r>
+              <a:rPr lang="zh-CN" altLang="en-US" dirty="0"/>
+              <a:t> </a:t>
+            </a:r>
+            <a:r>
+              <a:rPr lang="en-US" altLang="zh-CN" dirty="0"/>
+              <a:t>C4.5</a:t>
+            </a:r>
+            <a:r>
+              <a:rPr lang="zh-CN" altLang="en-US" dirty="0"/>
+              <a:t> </a:t>
+            </a:r>
+            <a:r>
+              <a:rPr lang="en-US" altLang="zh-CN" dirty="0"/>
+              <a:t>and</a:t>
+            </a:r>
+            <a:r>
+              <a:rPr lang="zh-CN" altLang="en-US" dirty="0"/>
+              <a:t> </a:t>
+            </a:r>
+            <a:r>
+              <a:rPr lang="en-US" altLang="zh-CN" dirty="0"/>
+              <a:t>C5.0</a:t>
+            </a:r>
+          </a:p>
+          <a:p>
+            <a:pPr lvl="1"/>
+            <a:r>
+              <a:rPr lang="en-US" altLang="zh-CN" dirty="0"/>
+              <a:t>Key</a:t>
+            </a:r>
+            <a:r>
+              <a:rPr lang="zh-CN" altLang="en-US" dirty="0"/>
+              <a:t> </a:t>
+            </a:r>
+            <a:r>
+              <a:rPr lang="en-US" altLang="zh-CN" dirty="0"/>
+              <a:t>words:</a:t>
+            </a:r>
+            <a:r>
+              <a:rPr lang="zh-CN" altLang="en-US" dirty="0"/>
+              <a:t> </a:t>
+            </a:r>
+            <a:r>
+              <a:rPr lang="en-US" altLang="zh-CN" dirty="0"/>
+              <a:t>(2</a:t>
+            </a:r>
+            <a:r>
+              <a:rPr lang="zh-CN" altLang="en-US" dirty="0"/>
+              <a:t> </a:t>
+            </a:r>
+            <a:r>
+              <a:rPr lang="en-US" altLang="zh-CN" dirty="0"/>
+              <a:t>class,</a:t>
+            </a:r>
+            <a:r>
+              <a:rPr lang="zh-CN" altLang="en-US" dirty="0"/>
+              <a:t> </a:t>
+            </a:r>
+            <a:r>
+              <a:rPr lang="en-US" altLang="zh-CN" dirty="0"/>
+              <a:t>could</a:t>
+            </a:r>
+            <a:r>
+              <a:rPr lang="zh-CN" altLang="en-US" dirty="0"/>
+              <a:t> </a:t>
+            </a:r>
+            <a:r>
+              <a:rPr lang="en-US" altLang="zh-CN" dirty="0"/>
+              <a:t>be</a:t>
+            </a:r>
+            <a:r>
+              <a:rPr lang="zh-CN" altLang="en-US" dirty="0"/>
+              <a:t> </a:t>
+            </a:r>
+            <a:r>
+              <a:rPr lang="en-US" altLang="zh-CN" dirty="0"/>
+              <a:t>more</a:t>
+            </a:r>
+            <a:r>
+              <a:rPr lang="zh-CN" altLang="en-US" dirty="0"/>
+              <a:t> </a:t>
+            </a:r>
+            <a:r>
+              <a:rPr lang="en-US" altLang="zh-CN" dirty="0"/>
+              <a:t>but</a:t>
+            </a:r>
+            <a:r>
+              <a:rPr lang="zh-CN" altLang="en-US" dirty="0"/>
+              <a:t> </a:t>
+            </a:r>
+            <a:r>
+              <a:rPr lang="en-US" altLang="zh-CN" dirty="0"/>
+              <a:t>the</a:t>
+            </a:r>
+            <a:r>
+              <a:rPr lang="zh-CN" altLang="en-US" dirty="0"/>
+              <a:t> </a:t>
+            </a:r>
+            <a:r>
+              <a:rPr lang="en-US" altLang="zh-CN" dirty="0"/>
+              <a:t>max</a:t>
+            </a:r>
+            <a:r>
+              <a:rPr lang="zh-CN" altLang="en-US" dirty="0"/>
+              <a:t> </a:t>
+            </a:r>
+            <a:r>
+              <a:rPr lang="en-US" altLang="zh-CN" dirty="0"/>
+              <a:t>number</a:t>
+            </a:r>
+            <a:r>
+              <a:rPr lang="zh-CN" altLang="en-US" dirty="0"/>
+              <a:t> </a:t>
+            </a:r>
+            <a:r>
+              <a:rPr lang="en-US" altLang="zh-CN" dirty="0"/>
+              <a:t>will</a:t>
+            </a:r>
+            <a:r>
+              <a:rPr lang="zh-CN" altLang="en-US" dirty="0"/>
+              <a:t> </a:t>
+            </a:r>
+            <a:r>
+              <a:rPr lang="en-US" altLang="zh-CN" dirty="0"/>
+              <a:t>be</a:t>
+            </a:r>
+            <a:r>
+              <a:rPr lang="zh-CN" altLang="en-US" dirty="0"/>
+              <a:t> </a:t>
+            </a:r>
+            <a:r>
+              <a:rPr lang="en-US" altLang="zh-CN" dirty="0"/>
+              <a:t>different)</a:t>
+            </a:r>
+          </a:p>
+          <a:p>
+            <a:pPr lvl="2"/>
+            <a:r>
+              <a:rPr lang="en-US" altLang="zh-CN" dirty="0"/>
+              <a:t>Entropy</a:t>
+            </a:r>
+            <a:r>
+              <a:rPr lang="zh-CN" altLang="en-US" dirty="0"/>
+              <a:t> </a:t>
+            </a:r>
+            <a:r>
+              <a:rPr lang="en-US" altLang="zh-CN" dirty="0"/>
+              <a:t>–</a:t>
+            </a:r>
+            <a:r>
+              <a:rPr lang="zh-CN" altLang="en-US" dirty="0"/>
+              <a:t> </a:t>
+            </a:r>
+            <a:r>
+              <a:rPr lang="en-US" altLang="zh-CN" dirty="0"/>
+              <a:t>is</a:t>
+            </a:r>
+            <a:r>
+              <a:rPr lang="zh-CN" altLang="en-US" dirty="0"/>
+              <a:t> </a:t>
+            </a:r>
+            <a:r>
+              <a:rPr lang="en-US" altLang="zh-CN" dirty="0"/>
+              <a:t>a</a:t>
+            </a:r>
+            <a:r>
+              <a:rPr lang="zh-CN" altLang="en-US" dirty="0"/>
+              <a:t> </a:t>
+            </a:r>
+            <a:r>
+              <a:rPr lang="en-US" altLang="zh-CN" dirty="0"/>
+              <a:t>float</a:t>
+            </a:r>
+            <a:r>
+              <a:rPr lang="zh-CN" altLang="en-US" dirty="0"/>
+              <a:t> </a:t>
+            </a:r>
+            <a:r>
+              <a:rPr lang="en-US" altLang="zh-CN" dirty="0"/>
+              <a:t>between</a:t>
+            </a:r>
+            <a:r>
+              <a:rPr lang="zh-CN" altLang="en-US" dirty="0"/>
+              <a:t> </a:t>
+            </a:r>
+            <a:r>
+              <a:rPr lang="en-US" altLang="zh-CN" dirty="0"/>
+              <a:t>[0</a:t>
+            </a:r>
+            <a:r>
+              <a:rPr lang="zh-CN" altLang="en-US" dirty="0"/>
+              <a:t> </a:t>
+            </a:r>
+            <a:r>
+              <a:rPr lang="en-US" altLang="zh-CN" dirty="0"/>
+              <a:t>,</a:t>
+            </a:r>
+            <a:r>
+              <a:rPr lang="zh-CN" altLang="en-US" dirty="0"/>
+              <a:t> </a:t>
+            </a:r>
+            <a:r>
+              <a:rPr lang="en-US" altLang="zh-CN" dirty="0"/>
+              <a:t>1]</a:t>
+            </a:r>
+            <a:r>
+              <a:rPr lang="zh-CN" altLang="en-US" dirty="0"/>
+              <a:t> </a:t>
+            </a:r>
+            <a:r>
+              <a:rPr lang="en-US" altLang="zh-CN" dirty="0"/>
+              <a:t>–</a:t>
+            </a:r>
+            <a:r>
+              <a:rPr lang="zh-CN" altLang="en-US" dirty="0"/>
+              <a:t> </a:t>
+            </a:r>
+            <a:r>
+              <a:rPr lang="en-US" altLang="zh-CN" dirty="0"/>
+              <a:t>higher</a:t>
+            </a:r>
+            <a:r>
+              <a:rPr lang="zh-CN" altLang="en-US" dirty="0"/>
+              <a:t> </a:t>
+            </a:r>
+            <a:r>
+              <a:rPr lang="en-US" altLang="zh-CN" dirty="0"/>
+              <a:t>value</a:t>
+            </a:r>
+            <a:r>
+              <a:rPr lang="zh-CN" altLang="en-US" dirty="0"/>
+              <a:t> </a:t>
+            </a:r>
+            <a:r>
+              <a:rPr lang="en-US" altLang="zh-CN" dirty="0"/>
+              <a:t>means</a:t>
+            </a:r>
+            <a:r>
+              <a:rPr lang="zh-CN" altLang="en-US" dirty="0"/>
+              <a:t> </a:t>
+            </a:r>
+            <a:r>
+              <a:rPr lang="en-US" altLang="zh-CN" dirty="0"/>
+              <a:t>more</a:t>
+            </a:r>
+            <a:r>
+              <a:rPr lang="zh-CN" altLang="en-US" dirty="0"/>
+              <a:t> </a:t>
+            </a:r>
+            <a:r>
+              <a:rPr lang="en-US" altLang="zh-CN" dirty="0"/>
+              <a:t>uncertain</a:t>
+            </a:r>
+          </a:p>
+          <a:p>
+            <a:pPr lvl="2"/>
+            <a:r>
+              <a:rPr lang="en-US" altLang="zh-CN" dirty="0"/>
+              <a:t>Conditional</a:t>
+            </a:r>
+            <a:r>
+              <a:rPr lang="zh-CN" altLang="en-US" dirty="0"/>
+              <a:t> </a:t>
+            </a:r>
+            <a:r>
+              <a:rPr lang="en-US" altLang="zh-CN" dirty="0"/>
+              <a:t>Entropy</a:t>
+            </a:r>
+            <a:r>
+              <a:rPr lang="zh-CN" altLang="en-US" dirty="0"/>
+              <a:t> </a:t>
+            </a:r>
+            <a:r>
+              <a:rPr lang="en-US" altLang="zh-CN" dirty="0"/>
+              <a:t>–</a:t>
+            </a:r>
+            <a:r>
+              <a:rPr lang="zh-CN" altLang="en-US" dirty="0"/>
+              <a:t>  </a:t>
+            </a:r>
+            <a:r>
+              <a:rPr lang="en-US" altLang="zh-CN" dirty="0"/>
+              <a:t>is</a:t>
+            </a:r>
+            <a:r>
+              <a:rPr lang="zh-CN" altLang="en-US" dirty="0"/>
+              <a:t> </a:t>
+            </a:r>
+            <a:r>
+              <a:rPr lang="en-US" altLang="zh-CN" dirty="0"/>
+              <a:t>a</a:t>
+            </a:r>
+            <a:r>
+              <a:rPr lang="zh-CN" altLang="en-US" dirty="0"/>
+              <a:t> </a:t>
+            </a:r>
+            <a:r>
+              <a:rPr lang="en-US" altLang="zh-CN" dirty="0"/>
+              <a:t>float</a:t>
+            </a:r>
+            <a:r>
+              <a:rPr lang="zh-CN" altLang="en-US" dirty="0"/>
+              <a:t> </a:t>
+            </a:r>
+            <a:r>
+              <a:rPr lang="en-US" altLang="zh-CN" dirty="0"/>
+              <a:t>between</a:t>
+            </a:r>
+            <a:r>
+              <a:rPr lang="zh-CN" altLang="en-US" dirty="0"/>
+              <a:t> </a:t>
+            </a:r>
+            <a:r>
+              <a:rPr lang="en-US" altLang="zh-CN" dirty="0"/>
+              <a:t>[0</a:t>
+            </a:r>
+            <a:r>
+              <a:rPr lang="zh-CN" altLang="en-US" dirty="0"/>
+              <a:t> </a:t>
+            </a:r>
+            <a:r>
+              <a:rPr lang="en-US" altLang="zh-CN" dirty="0"/>
+              <a:t>,</a:t>
+            </a:r>
+            <a:r>
+              <a:rPr lang="zh-CN" altLang="en-US" dirty="0"/>
+              <a:t> </a:t>
+            </a:r>
+            <a:r>
+              <a:rPr lang="en-US" altLang="zh-CN" dirty="0"/>
+              <a:t>1]</a:t>
+            </a:r>
+            <a:r>
+              <a:rPr lang="zh-CN" altLang="en-US" dirty="0"/>
+              <a:t> </a:t>
+            </a:r>
+            <a:r>
+              <a:rPr lang="en-US" altLang="zh-CN" dirty="0"/>
+              <a:t>–</a:t>
+            </a:r>
+            <a:r>
+              <a:rPr lang="zh-CN" altLang="en-US" dirty="0"/>
+              <a:t> </a:t>
+            </a:r>
+            <a:r>
+              <a:rPr lang="en-US" altLang="zh-CN" dirty="0"/>
+              <a:t>higher</a:t>
+            </a:r>
+            <a:r>
+              <a:rPr lang="zh-CN" altLang="en-US" dirty="0"/>
+              <a:t> </a:t>
+            </a:r>
+            <a:r>
+              <a:rPr lang="en-US" altLang="zh-CN" dirty="0"/>
+              <a:t>value</a:t>
+            </a:r>
+            <a:r>
+              <a:rPr lang="zh-CN" altLang="en-US" dirty="0"/>
+              <a:t> </a:t>
+            </a:r>
+            <a:r>
+              <a:rPr lang="en-US" altLang="zh-CN" dirty="0"/>
+              <a:t>means</a:t>
+            </a:r>
+            <a:r>
+              <a:rPr lang="zh-CN" altLang="en-US" dirty="0"/>
+              <a:t> </a:t>
+            </a:r>
+            <a:r>
+              <a:rPr lang="en-US" altLang="zh-CN" dirty="0"/>
+              <a:t>more</a:t>
+            </a:r>
+            <a:r>
+              <a:rPr lang="zh-CN" altLang="en-US" dirty="0"/>
+              <a:t> </a:t>
+            </a:r>
+            <a:r>
+              <a:rPr lang="en-US" altLang="zh-CN" dirty="0"/>
+              <a:t>uncertain</a:t>
+            </a:r>
+          </a:p>
+          <a:p>
+            <a:pPr lvl="2"/>
+            <a:r>
+              <a:rPr lang="en-US" altLang="zh-CN" dirty="0"/>
+              <a:t>Information</a:t>
+            </a:r>
+            <a:r>
+              <a:rPr lang="zh-CN" altLang="en-US" dirty="0"/>
+              <a:t> </a:t>
+            </a:r>
+            <a:r>
+              <a:rPr lang="en-US" altLang="zh-CN" dirty="0"/>
+              <a:t>Gain</a:t>
+            </a:r>
+            <a:r>
+              <a:rPr lang="zh-CN" altLang="en-US" dirty="0"/>
+              <a:t> </a:t>
+            </a:r>
+            <a:r>
+              <a:rPr lang="en-US" altLang="zh-CN" dirty="0"/>
+              <a:t>=</a:t>
+            </a:r>
+            <a:r>
+              <a:rPr lang="zh-CN" altLang="en-US" dirty="0"/>
+              <a:t> </a:t>
+            </a:r>
+            <a:r>
+              <a:rPr lang="en-US" altLang="zh-CN" dirty="0"/>
+              <a:t>Entropy</a:t>
+            </a:r>
+            <a:r>
+              <a:rPr lang="zh-CN" altLang="en-US" dirty="0"/>
+              <a:t> </a:t>
+            </a:r>
+            <a:r>
+              <a:rPr lang="en-US" altLang="zh-CN" dirty="0"/>
+              <a:t>–</a:t>
+            </a:r>
+            <a:r>
+              <a:rPr lang="zh-CN" altLang="en-US" dirty="0"/>
+              <a:t> </a:t>
+            </a:r>
+            <a:r>
+              <a:rPr lang="en-US" altLang="zh-CN" dirty="0"/>
+              <a:t>Conditional</a:t>
+            </a:r>
+            <a:r>
+              <a:rPr lang="zh-CN" altLang="en-US" dirty="0"/>
+              <a:t> </a:t>
+            </a:r>
+            <a:r>
+              <a:rPr lang="en-US" altLang="zh-CN" dirty="0"/>
+              <a:t>Entropy</a:t>
+            </a:r>
+            <a:r>
+              <a:rPr lang="zh-CN" altLang="en-US" dirty="0"/>
+              <a:t> </a:t>
+            </a:r>
+            <a:r>
+              <a:rPr lang="en-US" altLang="zh-CN" dirty="0"/>
+              <a:t>–</a:t>
+            </a:r>
+            <a:r>
+              <a:rPr lang="zh-CN" altLang="en-US" dirty="0"/>
+              <a:t> </a:t>
+            </a:r>
+            <a:r>
+              <a:rPr lang="en-US" altLang="zh-CN" dirty="0"/>
+              <a:t>float</a:t>
+            </a:r>
+            <a:r>
+              <a:rPr lang="zh-CN" altLang="en-US" dirty="0"/>
+              <a:t> </a:t>
+            </a:r>
+            <a:r>
+              <a:rPr lang="en-US" altLang="zh-CN" dirty="0"/>
+              <a:t>between</a:t>
+            </a:r>
+            <a:r>
+              <a:rPr lang="zh-CN" altLang="en-US" dirty="0"/>
+              <a:t> </a:t>
+            </a:r>
+            <a:r>
+              <a:rPr lang="en-US" altLang="zh-CN" dirty="0"/>
+              <a:t>[0,1]</a:t>
+            </a:r>
+            <a:r>
+              <a:rPr lang="zh-CN" altLang="en-US" dirty="0"/>
+              <a:t> </a:t>
+            </a:r>
+            <a:r>
+              <a:rPr lang="en-US" altLang="zh-CN" dirty="0"/>
+              <a:t>–</a:t>
+            </a:r>
+            <a:r>
+              <a:rPr lang="zh-CN" altLang="en-US" dirty="0"/>
+              <a:t> </a:t>
+            </a:r>
+            <a:r>
+              <a:rPr lang="en-US" altLang="zh-CN" dirty="0"/>
+              <a:t>higher</a:t>
+            </a:r>
+            <a:r>
+              <a:rPr lang="zh-CN" altLang="en-US" dirty="0"/>
+              <a:t> </a:t>
+            </a:r>
+            <a:r>
+              <a:rPr lang="en-US" altLang="zh-CN" dirty="0"/>
+              <a:t>value</a:t>
+            </a:r>
+            <a:r>
+              <a:rPr lang="zh-CN" altLang="en-US" dirty="0"/>
+              <a:t> </a:t>
+            </a:r>
+            <a:r>
+              <a:rPr lang="en-US" altLang="zh-CN" dirty="0"/>
+              <a:t>means</a:t>
+            </a:r>
+            <a:r>
+              <a:rPr lang="zh-CN" altLang="en-US" dirty="0"/>
+              <a:t> </a:t>
+            </a:r>
+            <a:r>
+              <a:rPr lang="en-US" altLang="zh-CN" dirty="0"/>
+              <a:t>this</a:t>
+            </a:r>
+            <a:r>
+              <a:rPr lang="zh-CN" altLang="en-US" dirty="0"/>
+              <a:t> </a:t>
+            </a:r>
+            <a:r>
+              <a:rPr lang="en-US" altLang="zh-CN" dirty="0"/>
+              <a:t>feature</a:t>
+            </a:r>
+            <a:r>
+              <a:rPr lang="zh-CN" altLang="en-US" dirty="0"/>
+              <a:t> </a:t>
+            </a:r>
+            <a:r>
+              <a:rPr lang="en-US" altLang="zh-CN" dirty="0"/>
+              <a:t>could</a:t>
+            </a:r>
+            <a:r>
+              <a:rPr lang="zh-CN" altLang="en-US" dirty="0"/>
+              <a:t> </a:t>
+            </a:r>
+            <a:r>
+              <a:rPr lang="en-US" altLang="zh-CN" dirty="0"/>
+              <a:t>bring</a:t>
+            </a:r>
+            <a:r>
+              <a:rPr lang="zh-CN" altLang="en-US" dirty="0"/>
+              <a:t> </a:t>
+            </a:r>
+            <a:r>
+              <a:rPr lang="en-US" altLang="zh-CN" dirty="0"/>
+              <a:t>more</a:t>
+            </a:r>
+            <a:r>
+              <a:rPr lang="zh-CN" altLang="en-US" dirty="0"/>
+              <a:t> </a:t>
+            </a:r>
+            <a:r>
+              <a:rPr lang="en-US" altLang="zh-CN" dirty="0"/>
+              <a:t>down</a:t>
+            </a:r>
+            <a:r>
+              <a:rPr lang="zh-CN" altLang="en-US" dirty="0"/>
+              <a:t> </a:t>
+            </a:r>
+            <a:r>
+              <a:rPr lang="en-US" altLang="zh-CN" dirty="0"/>
+              <a:t>on</a:t>
+            </a:r>
+            <a:r>
+              <a:rPr lang="zh-CN" altLang="en-US" dirty="0"/>
+              <a:t> </a:t>
+            </a:r>
+            <a:r>
+              <a:rPr lang="en-US" altLang="zh-CN" dirty="0"/>
+              <a:t>uncertainty</a:t>
+            </a:r>
+            <a:endParaRPr lang="en-IE" dirty="0"/>
+          </a:p>
+          <a:p>
+            <a:r>
+              <a:rPr lang="en-US" altLang="zh-CN" b="1" dirty="0"/>
+              <a:t>Gini</a:t>
+            </a:r>
+            <a:r>
+              <a:rPr lang="zh-CN" altLang="en-US" b="1" dirty="0"/>
+              <a:t> </a:t>
+            </a:r>
+            <a:r>
+              <a:rPr lang="en-US" altLang="zh-CN" b="1" dirty="0"/>
+              <a:t>index</a:t>
+            </a:r>
+          </a:p>
+          <a:p>
+            <a:pPr lvl="1"/>
+            <a:r>
+              <a:rPr lang="en-US" altLang="zh-CN" dirty="0"/>
+              <a:t>Models</a:t>
+            </a:r>
+            <a:r>
+              <a:rPr lang="zh-CN" altLang="en-US" dirty="0"/>
+              <a:t> </a:t>
+            </a:r>
+            <a:r>
+              <a:rPr lang="en-US" altLang="zh-CN" dirty="0"/>
+              <a:t>use</a:t>
+            </a:r>
+            <a:r>
+              <a:rPr lang="zh-CN" altLang="en-US" dirty="0"/>
+              <a:t> </a:t>
+            </a:r>
+            <a:r>
+              <a:rPr lang="en-US" altLang="zh-CN" dirty="0"/>
+              <a:t>this</a:t>
+            </a:r>
+            <a:r>
+              <a:rPr lang="zh-CN" altLang="en-US" dirty="0"/>
+              <a:t> </a:t>
+            </a:r>
+            <a:r>
+              <a:rPr lang="en-US" altLang="zh-CN" dirty="0"/>
+              <a:t>metrics</a:t>
+            </a:r>
+            <a:r>
+              <a:rPr lang="zh-CN" altLang="en-US" dirty="0"/>
+              <a:t> </a:t>
+            </a:r>
+            <a:r>
+              <a:rPr lang="en-US" altLang="zh-CN" dirty="0"/>
+              <a:t>–</a:t>
+            </a:r>
+            <a:r>
+              <a:rPr lang="zh-CN" altLang="en-US" dirty="0"/>
+              <a:t> </a:t>
+            </a:r>
+            <a:r>
+              <a:rPr lang="en-US" altLang="zh-CN" dirty="0"/>
+              <a:t>CART</a:t>
+            </a:r>
+          </a:p>
+          <a:p>
+            <a:pPr lvl="1"/>
+            <a:r>
+              <a:rPr lang="en-US" altLang="zh-CN" dirty="0"/>
+              <a:t>Key</a:t>
+            </a:r>
+            <a:r>
+              <a:rPr lang="zh-CN" altLang="en-US" dirty="0"/>
+              <a:t> </a:t>
+            </a:r>
+            <a:r>
+              <a:rPr lang="en-US" altLang="zh-CN" dirty="0"/>
+              <a:t>words:</a:t>
+            </a:r>
+            <a:r>
+              <a:rPr lang="zh-CN" altLang="en-US" dirty="0"/>
+              <a:t> </a:t>
+            </a:r>
+            <a:endParaRPr lang="en-IE" altLang="zh-CN" dirty="0"/>
+          </a:p>
+          <a:p>
+            <a:pPr lvl="2"/>
+            <a:r>
+              <a:rPr lang="en-US" altLang="zh-CN" dirty="0"/>
+              <a:t>Easy</a:t>
+            </a:r>
+            <a:r>
+              <a:rPr lang="zh-CN" altLang="en-US" dirty="0"/>
+              <a:t> </a:t>
+            </a:r>
+            <a:r>
+              <a:rPr lang="en-US" altLang="zh-CN" dirty="0"/>
+              <a:t>calculation</a:t>
+            </a:r>
+            <a:r>
+              <a:rPr lang="zh-CN" altLang="en-US" dirty="0"/>
+              <a:t> </a:t>
+            </a:r>
+            <a:r>
+              <a:rPr lang="en-US" altLang="zh-CN" dirty="0"/>
+              <a:t>compared</a:t>
+            </a:r>
+            <a:r>
+              <a:rPr lang="zh-CN" altLang="en-US" dirty="0"/>
+              <a:t> </a:t>
+            </a:r>
+            <a:r>
+              <a:rPr lang="en-US" altLang="zh-CN" dirty="0"/>
+              <a:t>with</a:t>
+            </a:r>
+            <a:r>
+              <a:rPr lang="zh-CN" altLang="en-US" dirty="0"/>
+              <a:t> </a:t>
+            </a:r>
+            <a:r>
+              <a:rPr lang="en-US" altLang="zh-CN" dirty="0"/>
+              <a:t>Information</a:t>
+            </a:r>
+            <a:r>
+              <a:rPr lang="zh-CN" altLang="en-US" dirty="0"/>
+              <a:t> </a:t>
+            </a:r>
+            <a:r>
+              <a:rPr lang="en-US" altLang="zh-CN" dirty="0"/>
+              <a:t>Gain</a:t>
+            </a:r>
+            <a:r>
+              <a:rPr lang="zh-CN" altLang="en-US" dirty="0"/>
+              <a:t> </a:t>
+            </a:r>
+            <a:r>
+              <a:rPr lang="en-US" altLang="zh-CN" dirty="0"/>
+              <a:t>–</a:t>
+            </a:r>
+            <a:r>
+              <a:rPr lang="zh-CN" altLang="en-US" dirty="0"/>
+              <a:t> </a:t>
+            </a:r>
+            <a:r>
+              <a:rPr lang="en-US" altLang="zh-CN" dirty="0"/>
+              <a:t>less</a:t>
+            </a:r>
+            <a:r>
+              <a:rPr lang="zh-CN" altLang="en-US" dirty="0"/>
+              <a:t> </a:t>
+            </a:r>
+            <a:r>
+              <a:rPr lang="en-US" altLang="zh-CN" dirty="0"/>
+              <a:t>log</a:t>
+            </a:r>
+            <a:r>
+              <a:rPr lang="zh-CN" altLang="en-US" dirty="0"/>
+              <a:t> </a:t>
+            </a:r>
+            <a:r>
+              <a:rPr lang="en-US" altLang="zh-CN" dirty="0"/>
+              <a:t>calculation</a:t>
+            </a:r>
+          </a:p>
+          <a:p>
+            <a:pPr lvl="2"/>
+            <a:r>
+              <a:rPr lang="en-US" altLang="zh-CN" dirty="0"/>
+              <a:t>Gini</a:t>
+            </a:r>
+            <a:r>
+              <a:rPr lang="zh-CN" altLang="en-US" dirty="0"/>
+              <a:t> </a:t>
+            </a:r>
+            <a:r>
+              <a:rPr lang="en-US" altLang="zh-CN" dirty="0"/>
+              <a:t>index</a:t>
+            </a:r>
+            <a:r>
+              <a:rPr lang="zh-CN" altLang="en-US" dirty="0"/>
+              <a:t> </a:t>
+            </a:r>
+            <a:r>
+              <a:rPr lang="en-US" altLang="zh-CN" dirty="0"/>
+              <a:t>–</a:t>
+            </a:r>
+            <a:r>
+              <a:rPr lang="zh-CN" altLang="en-US" dirty="0"/>
+              <a:t> </a:t>
+            </a:r>
+            <a:r>
+              <a:rPr lang="en-US" altLang="zh-CN" dirty="0"/>
+              <a:t>smaller</a:t>
+            </a:r>
+            <a:r>
+              <a:rPr lang="zh-CN" altLang="en-US" dirty="0"/>
+              <a:t> </a:t>
+            </a:r>
+            <a:r>
+              <a:rPr lang="en-US" altLang="zh-CN" dirty="0"/>
+              <a:t>Gini</a:t>
+            </a:r>
+            <a:r>
+              <a:rPr lang="zh-CN" altLang="en-US" dirty="0"/>
+              <a:t> </a:t>
+            </a:r>
+            <a:r>
+              <a:rPr lang="en-US" altLang="zh-CN" dirty="0"/>
+              <a:t>index</a:t>
+            </a:r>
+            <a:r>
+              <a:rPr lang="zh-CN" altLang="en-US" dirty="0"/>
+              <a:t> </a:t>
+            </a:r>
+            <a:r>
+              <a:rPr lang="en-US" altLang="zh-CN" dirty="0"/>
+              <a:t>means</a:t>
+            </a:r>
+            <a:r>
+              <a:rPr lang="zh-CN" altLang="en-US" dirty="0"/>
+              <a:t> </a:t>
+            </a:r>
+            <a:r>
+              <a:rPr lang="en-US" altLang="zh-CN" dirty="0"/>
+              <a:t>higher</a:t>
+            </a:r>
+            <a:r>
+              <a:rPr lang="zh-CN" altLang="en-US" dirty="0"/>
+              <a:t> </a:t>
+            </a:r>
+            <a:r>
+              <a:rPr lang="en-US" altLang="zh-CN" dirty="0"/>
+              <a:t>certainty</a:t>
+            </a:r>
+            <a:r>
+              <a:rPr lang="zh-CN" altLang="en-US" dirty="0"/>
+              <a:t> </a:t>
+            </a:r>
+            <a:endParaRPr lang="en-US" altLang="zh-CN" dirty="0"/>
+          </a:p>
+        </p:txBody>
+      </p:sp>
+      <p:pic>
+        <p:nvPicPr>
+          <p:cNvPr id="4" name="Picture 3">
+            <a:extLst>
+              <a:ext uri="{FF2B5EF4-FFF2-40B4-BE49-F238E27FC236}">
+                <a16:creationId xmlns:a16="http://schemas.microsoft.com/office/drawing/2014/main" id="{3004D51D-A281-F24F-8B83-4136A2BB2B74}"/>
+              </a:ext>
+            </a:extLst>
+          </p:cNvPr>
+          <p:cNvPicPr>
+            <a:picLocks noChangeAspect="1"/>
+          </p:cNvPicPr>
+          <p:nvPr/>
+        </p:nvPicPr>
+        <p:blipFill>
+          <a:blip r:embed="rId2"/>
+          <a:stretch>
+            <a:fillRect/>
+          </a:stretch>
+        </p:blipFill>
+        <p:spPr>
+          <a:xfrm>
+            <a:off x="8349673" y="4001294"/>
+            <a:ext cx="3556000" cy="1143000"/>
+          </a:xfrm>
+          <a:prstGeom prst="rect">
+            <a:avLst/>
+          </a:prstGeom>
+        </p:spPr>
+      </p:pic>
+    </p:spTree>
+    <p:extLst>
+      <p:ext uri="{BB962C8B-B14F-4D97-AF65-F5344CB8AC3E}">
+        <p14:creationId xmlns:p14="http://schemas.microsoft.com/office/powerpoint/2010/main" val="3083054956"/>
+      </p:ext>
+    </p:extLst>
+  </p:cSld>
+  <p:clrMapOvr>
+    <a:masterClrMapping/>
+  </p:clrMapOvr>
+</p:sld>
+</file>
+
+<file path=ppt/slides/slide8.xml><?xml version="1.0" encoding="utf-8"?>
+<p:sld xmlns:a="http://schemas.openxmlformats.org/drawingml/2006/main" xmlns:r="http://schemas.openxmlformats.org/officeDocument/2006/relationships" xmlns:p="http://schemas.openxmlformats.org/presentationml/2006/main">
+  <p:cSld>
+    <p:spTree>
+      <p:nvGrpSpPr>
+        <p:cNvPr id="1" name=""/>
+        <p:cNvGrpSpPr/>
+        <p:nvPr/>
+      </p:nvGrpSpPr>
+      <p:grpSpPr>
+        <a:xfrm>
+          <a:off x="0" y="0"/>
+          <a:ext cx="0" cy="0"/>
+          <a:chOff x="0" y="0"/>
+          <a:chExt cx="0" cy="0"/>
+        </a:xfrm>
+      </p:grpSpPr>
+      <p:sp>
+        <p:nvSpPr>
+          <p:cNvPr id="2" name="Title 1">
+            <a:extLst>
+              <a:ext uri="{FF2B5EF4-FFF2-40B4-BE49-F238E27FC236}">
+                <a16:creationId xmlns:a16="http://schemas.microsoft.com/office/drawing/2014/main" id="{21106B0E-452E-9540-99E5-8F4B8AD820FD}"/>
+              </a:ext>
+            </a:extLst>
+          </p:cNvPr>
+          <p:cNvSpPr>
+            <a:spLocks noGrp="1"/>
+          </p:cNvSpPr>
+          <p:nvPr>
+            <p:ph type="title"/>
+          </p:nvPr>
+        </p:nvSpPr>
+        <p:spPr/>
+        <p:txBody>
+          <a:bodyPr>
+            <a:normAutofit/>
+          </a:bodyPr>
+          <a:lstStyle/>
+          <a:p>
+            <a:r>
+              <a:rPr lang="en-US" altLang="zh-CN" dirty="0"/>
+              <a:t>Does</a:t>
+            </a:r>
+            <a:r>
+              <a:rPr lang="zh-CN" altLang="en-US" dirty="0"/>
+              <a:t> </a:t>
+            </a:r>
+            <a:r>
+              <a:rPr lang="en-US" altLang="zh-CN" dirty="0"/>
+              <a:t>Decision</a:t>
+            </a:r>
+            <a:r>
+              <a:rPr lang="zh-CN" altLang="en-US" dirty="0"/>
+              <a:t> </a:t>
+            </a:r>
+            <a:r>
+              <a:rPr lang="en-US" altLang="zh-CN" dirty="0"/>
+              <a:t>Tree</a:t>
+            </a:r>
+            <a:r>
+              <a:rPr lang="zh-CN" altLang="en-US" dirty="0"/>
+              <a:t> </a:t>
+            </a:r>
+            <a:r>
+              <a:rPr lang="en-US" altLang="zh-CN" dirty="0"/>
+              <a:t>only</a:t>
+            </a:r>
+            <a:r>
+              <a:rPr lang="zh-CN" altLang="en-US" dirty="0"/>
+              <a:t> </a:t>
+            </a:r>
+            <a:r>
+              <a:rPr lang="en-US" altLang="zh-CN" dirty="0"/>
+              <a:t>predict</a:t>
+            </a:r>
+            <a:r>
+              <a:rPr lang="zh-CN" altLang="en-US" dirty="0"/>
+              <a:t> </a:t>
+            </a:r>
+            <a:r>
+              <a:rPr lang="en-US" altLang="zh-CN" dirty="0"/>
+              <a:t>classification</a:t>
+            </a:r>
+            <a:r>
+              <a:rPr lang="zh-CN" altLang="en-US" dirty="0"/>
+              <a:t> </a:t>
+            </a:r>
+            <a:r>
+              <a:rPr lang="en-US" altLang="zh-CN" dirty="0"/>
+              <a:t>/</a:t>
+            </a:r>
+            <a:r>
+              <a:rPr lang="zh-CN" altLang="en-US" dirty="0"/>
+              <a:t> </a:t>
+            </a:r>
+            <a:r>
+              <a:rPr lang="en-US" altLang="zh-CN" dirty="0"/>
+              <a:t>categorical</a:t>
+            </a:r>
+            <a:r>
+              <a:rPr lang="zh-CN" altLang="en-US" dirty="0"/>
+              <a:t> </a:t>
+            </a:r>
+            <a:r>
+              <a:rPr lang="en-US" altLang="zh-CN" dirty="0"/>
+              <a:t>output?</a:t>
+            </a:r>
+            <a:r>
+              <a:rPr lang="zh-CN" altLang="en-US" dirty="0"/>
+              <a:t> </a:t>
+            </a:r>
+            <a:endParaRPr lang="en-US" dirty="0"/>
+          </a:p>
+        </p:txBody>
+      </p:sp>
+      <p:sp>
+        <p:nvSpPr>
+          <p:cNvPr id="3" name="Content Placeholder 2">
+            <a:extLst>
+              <a:ext uri="{FF2B5EF4-FFF2-40B4-BE49-F238E27FC236}">
+                <a16:creationId xmlns:a16="http://schemas.microsoft.com/office/drawing/2014/main" id="{FAE8984F-BFEC-484D-A83F-6A3AE0E2AE72}"/>
+              </a:ext>
+            </a:extLst>
+          </p:cNvPr>
+          <p:cNvSpPr>
+            <a:spLocks noGrp="1"/>
+          </p:cNvSpPr>
+          <p:nvPr>
+            <p:ph idx="1"/>
+          </p:nvPr>
+        </p:nvSpPr>
+        <p:spPr/>
+        <p:txBody>
+          <a:bodyPr/>
+          <a:lstStyle/>
+          <a:p>
+            <a:r>
+              <a:rPr lang="en-US" altLang="zh-CN" dirty="0"/>
+              <a:t>Classification</a:t>
+            </a:r>
+            <a:r>
+              <a:rPr lang="zh-CN" altLang="en-US" dirty="0"/>
+              <a:t> </a:t>
+            </a:r>
+            <a:r>
+              <a:rPr lang="en-US" altLang="zh-CN" dirty="0"/>
+              <a:t>Decision</a:t>
+            </a:r>
+            <a:r>
+              <a:rPr lang="zh-CN" altLang="en-US" dirty="0"/>
+              <a:t> </a:t>
+            </a:r>
+            <a:r>
+              <a:rPr lang="en-US" altLang="zh-CN" dirty="0"/>
+              <a:t>Tree</a:t>
+            </a:r>
+            <a:r>
+              <a:rPr lang="zh-CN" altLang="en-US" dirty="0"/>
+              <a:t> </a:t>
+            </a:r>
+            <a:r>
+              <a:rPr lang="en-US" altLang="zh-CN" dirty="0"/>
+              <a:t>-</a:t>
+            </a:r>
+            <a:r>
+              <a:rPr lang="zh-CN" altLang="en-US" dirty="0"/>
+              <a:t> </a:t>
+            </a:r>
+            <a:r>
+              <a:rPr lang="en-IE" dirty="0"/>
+              <a:t>target variable can take a discrete set of values</a:t>
+            </a:r>
+          </a:p>
+          <a:p>
+            <a:endParaRPr lang="en-IE" dirty="0"/>
+          </a:p>
+          <a:p>
+            <a:r>
+              <a:rPr lang="en-US" altLang="zh-CN" dirty="0"/>
+              <a:t>Regression</a:t>
+            </a:r>
+            <a:r>
+              <a:rPr lang="zh-CN" altLang="en-US" dirty="0"/>
+              <a:t> </a:t>
+            </a:r>
+            <a:r>
+              <a:rPr lang="en-US" altLang="zh-CN" dirty="0"/>
+              <a:t>Decision</a:t>
+            </a:r>
+            <a:r>
+              <a:rPr lang="zh-CN" altLang="en-US" dirty="0"/>
+              <a:t> </a:t>
+            </a:r>
+            <a:r>
+              <a:rPr lang="en-US" altLang="zh-CN" dirty="0"/>
+              <a:t>Tree</a:t>
+            </a:r>
+            <a:r>
+              <a:rPr lang="zh-CN" altLang="en-US" dirty="0"/>
+              <a:t> </a:t>
+            </a:r>
+            <a:r>
+              <a:rPr lang="en-US" altLang="zh-CN" dirty="0"/>
+              <a:t>-</a:t>
+            </a:r>
+            <a:r>
+              <a:rPr lang="zh-CN" altLang="en-US" dirty="0"/>
+              <a:t> </a:t>
+            </a:r>
+            <a:r>
+              <a:rPr lang="en-IE" dirty="0"/>
+              <a:t>target variable can take continuous values (typically </a:t>
+            </a:r>
+            <a:r>
+              <a:rPr lang="en-IE" dirty="0">
+                <a:hlinkClick r:id="rId2" tooltip="Real numbers"/>
+              </a:rPr>
+              <a:t>real numbers</a:t>
+            </a:r>
+            <a:r>
+              <a:rPr lang="en-IE" dirty="0"/>
+              <a:t>)</a:t>
+            </a:r>
+          </a:p>
+          <a:p>
+            <a:pPr marL="0" indent="0">
+              <a:buNone/>
+            </a:pPr>
+            <a:endParaRPr lang="en-IE" dirty="0"/>
+          </a:p>
+          <a:p>
+            <a:endParaRPr lang="en-US" dirty="0"/>
+          </a:p>
+        </p:txBody>
+      </p:sp>
+      <p:pic>
+        <p:nvPicPr>
+          <p:cNvPr id="4" name="Picture 3">
+            <a:extLst>
+              <a:ext uri="{FF2B5EF4-FFF2-40B4-BE49-F238E27FC236}">
+                <a16:creationId xmlns:a16="http://schemas.microsoft.com/office/drawing/2014/main" id="{768D74D5-EF28-9F44-89F8-75F62BDAEA34}"/>
+              </a:ext>
+            </a:extLst>
+          </p:cNvPr>
+          <p:cNvPicPr>
+            <a:picLocks noChangeAspect="1"/>
+          </p:cNvPicPr>
+          <p:nvPr/>
+        </p:nvPicPr>
+        <p:blipFill>
+          <a:blip r:embed="rId3"/>
+          <a:stretch>
+            <a:fillRect/>
+          </a:stretch>
+        </p:blipFill>
+        <p:spPr>
+          <a:xfrm>
+            <a:off x="1039091" y="4154772"/>
+            <a:ext cx="6954404" cy="2467340"/>
+          </a:xfrm>
+          <a:prstGeom prst="rect">
+            <a:avLst/>
+          </a:prstGeom>
+        </p:spPr>
+      </p:pic>
+    </p:spTree>
+    <p:extLst>
+      <p:ext uri="{BB962C8B-B14F-4D97-AF65-F5344CB8AC3E}">
+        <p14:creationId xmlns:p14="http://schemas.microsoft.com/office/powerpoint/2010/main" val="4116943128"/>
+      </p:ext>
+    </p:extLst>
+  </p:cSld>
+  <p:clrMapOvr>
+    <a:masterClrMapping/>
+  </p:clrMapOvr>
+</p:sld>
+</file>
+
+<file path=ppt/slides/slide9.xml><?xml version="1.0" encoding="utf-8"?>
+<p:sld xmlns:a="http://schemas.openxmlformats.org/drawingml/2006/main" xmlns:r="http://schemas.openxmlformats.org/officeDocument/2006/relationships" xmlns:p="http://schemas.openxmlformats.org/presentationml/2006/main">
+  <p:cSld>
+    <p:spTree>
+      <p:nvGrpSpPr>
+        <p:cNvPr id="1" name=""/>
+        <p:cNvGrpSpPr/>
+        <p:nvPr/>
+      </p:nvGrpSpPr>
+      <p:grpSpPr>
+        <a:xfrm>
+          <a:off x="0" y="0"/>
+          <a:ext cx="0" cy="0"/>
+          <a:chOff x="0" y="0"/>
+          <a:chExt cx="0" cy="0"/>
+        </a:xfrm>
+      </p:grpSpPr>
+      <p:sp>
+        <p:nvSpPr>
+          <p:cNvPr id="2" name="Title 1">
+            <a:extLst>
+              <a:ext uri="{FF2B5EF4-FFF2-40B4-BE49-F238E27FC236}">
+                <a16:creationId xmlns:a16="http://schemas.microsoft.com/office/drawing/2014/main" id="{84052541-6E12-FF46-9D84-3889AA80B3EE}"/>
+              </a:ext>
+            </a:extLst>
+          </p:cNvPr>
+          <p:cNvSpPr>
+            <a:spLocks noGrp="1"/>
+          </p:cNvSpPr>
+          <p:nvPr>
+            <p:ph type="title"/>
+          </p:nvPr>
+        </p:nvSpPr>
+        <p:spPr/>
+        <p:txBody>
+          <a:bodyPr/>
+          <a:lstStyle/>
+          <a:p>
+            <a:r>
+              <a:rPr lang="en-US" altLang="zh-CN" dirty="0"/>
+              <a:t>Actual</a:t>
+            </a:r>
+            <a:r>
+              <a:rPr lang="zh-CN" altLang="en-US" dirty="0"/>
+              <a:t> </a:t>
+            </a:r>
+            <a:r>
+              <a:rPr lang="en-US" altLang="zh-CN" dirty="0"/>
+              <a:t>Example</a:t>
+            </a:r>
+            <a:endParaRPr lang="en-US" dirty="0"/>
+          </a:p>
+        </p:txBody>
+      </p:sp>
+      <p:sp>
+        <p:nvSpPr>
+          <p:cNvPr id="3" name="Content Placeholder 2">
+            <a:extLst>
+              <a:ext uri="{FF2B5EF4-FFF2-40B4-BE49-F238E27FC236}">
+                <a16:creationId xmlns:a16="http://schemas.microsoft.com/office/drawing/2014/main" id="{255E694A-C7F6-D44A-BC57-1196BD8A3DFF}"/>
+              </a:ext>
+            </a:extLst>
+          </p:cNvPr>
+          <p:cNvSpPr>
+            <a:spLocks noGrp="1"/>
+          </p:cNvSpPr>
+          <p:nvPr>
+            <p:ph idx="1"/>
+          </p:nvPr>
+        </p:nvSpPr>
+        <p:spPr/>
+        <p:txBody>
+          <a:bodyPr anchor="ctr">
+            <a:normAutofit/>
+          </a:bodyPr>
+          <a:lstStyle/>
+          <a:p>
+            <a:pPr marL="0" indent="0" algn="ctr">
+              <a:buNone/>
+            </a:pPr>
+            <a:r>
+              <a:rPr lang="en-US" altLang="zh-CN" sz="16600" dirty="0"/>
+              <a:t>Q&amp;A</a:t>
+            </a:r>
+            <a:endParaRPr lang="en-US" sz="16600" dirty="0"/>
+          </a:p>
+        </p:txBody>
+      </p:sp>
+    </p:spTree>
+    <p:extLst>
+      <p:ext uri="{BB962C8B-B14F-4D97-AF65-F5344CB8AC3E}">
+        <p14:creationId xmlns:p14="http://schemas.microsoft.com/office/powerpoint/2010/main" val="4016990260"/>
       </p:ext>
     </p:extLst>
   </p:cSld>
